--- a/Presentatie/Student Housing BV.pptx
+++ b/Presentatie/Student Housing BV.pptx
@@ -108,6 +108,11 @@
       </a:defRPr>
     </a:lvl9pPr>
   </p:defaultTextStyle>
+  <p:extLst>
+    <p:ext uri="{EFAFB233-063F-42B5-8137-9DF3F51BA10A}">
+      <p15:sldGuideLst xmlns:p15="http://schemas.microsoft.com/office/powerpoint/2012/main"/>
+    </p:ext>
+  </p:extLst>
 </p:presentation>
 </file>
 
@@ -1334,6 +1339,13 @@
             <a:tailEnd/>
           </a:ln>
         </p:spPr>
+        <p:txBody>
+          <a:bodyPr/>
+          <a:lstStyle/>
+          <a:p>
+            <a:endParaRPr lang="nl-NL"/>
+          </a:p>
+        </p:txBody>
       </p:sp>
       <p:sp>
         <p:nvSpPr>
@@ -1590,6 +1602,13 @@
             <a:schemeClr val="lt1"/>
           </a:fontRef>
         </p:style>
+        <p:txBody>
+          <a:bodyPr/>
+          <a:lstStyle/>
+          <a:p>
+            <a:endParaRPr lang="nl-NL"/>
+          </a:p>
+        </p:txBody>
       </p:sp>
     </p:spTree>
     <p:extLst>
@@ -6527,6 +6546,13 @@
             <a:tailEnd/>
           </a:ln>
         </p:spPr>
+        <p:txBody>
+          <a:bodyPr/>
+          <a:lstStyle/>
+          <a:p>
+            <a:endParaRPr lang="nl-NL"/>
+          </a:p>
+        </p:txBody>
       </p:sp>
       <p:sp>
         <p:nvSpPr>
@@ -6565,6 +6591,13 @@
             <a:schemeClr val="lt1"/>
           </a:fontRef>
         </p:style>
+        <p:txBody>
+          <a:bodyPr/>
+          <a:lstStyle/>
+          <a:p>
+            <a:endParaRPr lang="nl-NL"/>
+          </a:p>
+        </p:txBody>
       </p:sp>
     </p:spTree>
     <p:extLst>
